--- a/RockPaperScissors/RockPaperScissors/presentation/DEMO.pptx
+++ b/RockPaperScissors/RockPaperScissors/presentation/DEMO.pptx
@@ -107,6 +107,11 @@
       </a:defRPr>
     </a:lvl9pPr>
   </p:defaultTextStyle>
+  <p:extLst>
+    <p:ext uri="{EFAFB233-063F-42B5-8137-9DF3F51BA10A}">
+      <p15:sldGuideLst xmlns:p15="http://schemas.microsoft.com/office/powerpoint/2012/main"/>
+    </p:ext>
+  </p:extLst>
 </p:presentation>
 </file>
 
@@ -3096,15 +3101,7 @@
             <a:pPr algn="ctr"/>
             <a:r>
               <a:rPr lang="en-US" dirty="0" smtClean="0"/>
-              <a:t>Interface </a:t>
-            </a:r>
-            <a:r>
-              <a:rPr lang="en-US" dirty="0" err="1" smtClean="0"/>
-              <a:t>GameService</a:t>
-            </a:r>
-            <a:r>
-              <a:rPr lang="en-US" dirty="0" smtClean="0"/>
-              <a:t> </a:t>
+              <a:t>Interface GameService </a:t>
             </a:r>
             <a:endParaRPr lang="nl-BE" dirty="0"/>
           </a:p>
@@ -3147,7 +3144,7 @@
           <a:p>
             <a:pPr algn="ctr"/>
             <a:r>
-              <a:rPr lang="en-US" dirty="0" err="1" smtClean="0"/>
+              <a:rPr lang="en-US" dirty="0" smtClean="0"/>
               <a:t>GameService</a:t>
             </a:r>
             <a:endParaRPr lang="nl-BE" dirty="0"/>
@@ -3293,24 +3290,8 @@
           <a:lstStyle/>
           <a:p>
             <a:r>
-              <a:rPr lang="en-US" dirty="0" err="1" smtClean="0"/>
-              <a:t>Initialise</a:t>
-            </a:r>
-            <a:r>
               <a:rPr lang="en-US" dirty="0" smtClean="0"/>
-              <a:t> </a:t>
-            </a:r>
-            <a:r>
-              <a:rPr lang="en-US" dirty="0" err="1" smtClean="0"/>
-              <a:t>SingeplayerGame</a:t>
-            </a:r>
-            <a:r>
-              <a:rPr lang="en-US" dirty="0" smtClean="0"/>
-              <a:t> + </a:t>
-            </a:r>
-            <a:r>
-              <a:rPr lang="en-US" dirty="0" err="1" smtClean="0"/>
-              <a:t>PlayGame</a:t>
+              <a:t>Initializes SingeplayerGame + PlayGame</a:t>
             </a:r>
             <a:r>
               <a:rPr lang="en-US" dirty="0"/>
@@ -3318,11 +3299,7 @@
             </a:r>
             <a:r>
               <a:rPr lang="en-US" dirty="0" smtClean="0"/>
-              <a:t>(Click) +  </a:t>
-            </a:r>
-            <a:r>
-              <a:rPr lang="en-US" dirty="0" err="1" smtClean="0"/>
-              <a:t>MatchResult</a:t>
+              <a:t>(Click) +  MatchResult</a:t>
             </a:r>
             <a:endParaRPr lang="nl-BE" dirty="0"/>
           </a:p>
@@ -3409,7 +3386,7 @@
           <a:p>
             <a:pPr algn="ctr"/>
             <a:r>
-              <a:rPr lang="en-US" dirty="0" err="1" smtClean="0"/>
+              <a:rPr lang="en-US" dirty="0" smtClean="0"/>
               <a:t>SinglePlayerGame</a:t>
             </a:r>
             <a:endParaRPr lang="nl-BE" dirty="0"/>
@@ -3489,7 +3466,7 @@
           <a:p>
             <a:pPr algn="ctr"/>
             <a:r>
-              <a:rPr lang="en-US" dirty="0" err="1" smtClean="0"/>
+              <a:rPr lang="en-US" dirty="0" smtClean="0"/>
               <a:t>GameFactory</a:t>
             </a:r>
             <a:endParaRPr lang="nl-BE" dirty="0"/>
@@ -3519,20 +3496,8 @@
           <a:lstStyle/>
           <a:p>
             <a:r>
-              <a:rPr lang="en-US" dirty="0" err="1" smtClean="0"/>
-              <a:t>Initialise</a:t>
-            </a:r>
-            <a:r>
               <a:rPr lang="en-US" dirty="0" smtClean="0"/>
-              <a:t> </a:t>
-            </a:r>
-            <a:r>
-              <a:rPr lang="en-US" dirty="0" err="1" smtClean="0"/>
-              <a:t>PlayerFactory</a:t>
-            </a:r>
-            <a:r>
-              <a:rPr lang="en-US" dirty="0" smtClean="0"/>
-              <a:t> to create players</a:t>
+              <a:t>Initializes PlayerFactory to create players</a:t>
             </a:r>
           </a:p>
         </p:txBody>
@@ -3541,15 +3506,15 @@
         <p:nvCxnSpPr>
           <p:cNvPr id="32" name="Straight Arrow Connector 31"/>
           <p:cNvCxnSpPr>
-            <a:stCxn id="25" idx="1"/>
-            <a:endCxn id="27" idx="3"/>
+            <a:stCxn id="27" idx="3"/>
+            <a:endCxn id="24" idx="1"/>
           </p:cNvCxnSpPr>
           <p:nvPr/>
         </p:nvCxnSpPr>
         <p:spPr>
-          <a:xfrm flipH="1" flipV="1">
-            <a:off x="7000875" y="5043487"/>
-            <a:ext cx="1809750" cy="661988"/>
+          <a:xfrm flipV="1">
+            <a:off x="7000875" y="4476750"/>
+            <a:ext cx="1809750" cy="566737"/>
           </a:xfrm>
           <a:prstGeom prst="straightConnector1">
             <a:avLst/>
@@ -3727,7 +3692,7 @@
           <a:p>
             <a:pPr algn="ctr"/>
             <a:r>
-              <a:rPr lang="en-US" dirty="0" err="1" smtClean="0"/>
+              <a:rPr lang="en-US" dirty="0" smtClean="0"/>
               <a:t>ComputerPlayer</a:t>
             </a:r>
             <a:endParaRPr lang="nl-BE" dirty="0"/>
@@ -3771,7 +3736,7 @@
           <a:p>
             <a:pPr algn="ctr"/>
             <a:r>
-              <a:rPr lang="en-US" dirty="0" err="1" smtClean="0"/>
+              <a:rPr lang="en-US" dirty="0" smtClean="0"/>
               <a:t>HumanPlayer</a:t>
             </a:r>
             <a:endParaRPr lang="nl-BE" dirty="0"/>
@@ -3887,7 +3852,7 @@
           <a:p>
             <a:pPr algn="ctr"/>
             <a:r>
-              <a:rPr lang="en-US" dirty="0" err="1" smtClean="0"/>
+              <a:rPr lang="en-US" dirty="0" smtClean="0"/>
               <a:t>MatchResult</a:t>
             </a:r>
             <a:endParaRPr lang="nl-BE" dirty="0"/>
@@ -3902,8 +3867,8 @@
         </p:nvSpPr>
         <p:spPr>
           <a:xfrm>
-            <a:off x="7156846" y="5583019"/>
-            <a:ext cx="4514850" cy="646331"/>
+            <a:off x="7156845" y="5462022"/>
+            <a:ext cx="4816079" cy="923330"/>
           </a:xfrm>
           <a:prstGeom prst="rect">
             <a:avLst/>
@@ -3918,11 +3883,13 @@
           <a:p>
             <a:r>
               <a:rPr lang="en-US" dirty="0" smtClean="0"/>
-              <a:t>Match Result logic (winner) + Player’s names, hands, </a:t>
-            </a:r>
-            <a:r>
-              <a:rPr lang="en-US" dirty="0" err="1" smtClean="0"/>
-              <a:t>scorecounter</a:t>
+              <a:t>Match Result logic (winner) + Player’s names, hands, score counter</a:t>
+            </a:r>
+          </a:p>
+          <a:p>
+            <a:r>
+              <a:rPr lang="en-US" dirty="0" smtClean="0"/>
+              <a:t>Hand Object back to ENUM value (FRONT END)</a:t>
             </a:r>
             <a:endParaRPr lang="nl-BE" dirty="0"/>
           </a:p>
@@ -4042,11 +4009,7 @@
           <a:p>
             <a:r>
               <a:rPr lang="en-US" dirty="0" smtClean="0"/>
-              <a:t>Hand object from </a:t>
-            </a:r>
-            <a:r>
-              <a:rPr lang="en-US" dirty="0" err="1" smtClean="0"/>
-              <a:t>Ihand</a:t>
+              <a:t>Hand object from Ihand</a:t>
             </a:r>
             <a:endParaRPr lang="nl-BE" dirty="0"/>
           </a:p>
@@ -4089,7 +4052,7 @@
           <a:p>
             <a:pPr algn="ctr"/>
             <a:r>
-              <a:rPr lang="en-US" dirty="0" err="1" smtClean="0"/>
+              <a:rPr lang="en-US" dirty="0" smtClean="0"/>
               <a:t>PlayerFactory</a:t>
             </a:r>
             <a:endParaRPr lang="nl-BE" dirty="0"/>
@@ -4120,19 +4083,7 @@
           <a:p>
             <a:r>
               <a:rPr lang="en-US" dirty="0" smtClean="0"/>
-              <a:t>Creates </a:t>
-            </a:r>
-            <a:r>
-              <a:rPr lang="en-US" dirty="0" err="1" smtClean="0"/>
-              <a:t>HumanPlayer</a:t>
-            </a:r>
-            <a:r>
-              <a:rPr lang="en-US" dirty="0" smtClean="0"/>
-              <a:t> &amp; </a:t>
-            </a:r>
-            <a:r>
-              <a:rPr lang="en-US" dirty="0" err="1" smtClean="0"/>
-              <a:t>ComputerPlayer</a:t>
+              <a:t>Creates HumanPlayer &amp; ComputerPlayer</a:t>
             </a:r>
             <a:endParaRPr lang="nl-BE" dirty="0"/>
           </a:p>
@@ -4315,7 +4266,7 @@
           <a:p>
             <a:pPr algn="ctr"/>
             <a:r>
-              <a:rPr lang="en-US" dirty="0" err="1" smtClean="0"/>
+              <a:rPr lang="en-US" dirty="0" smtClean="0"/>
               <a:t>GameService</a:t>
             </a:r>
             <a:endParaRPr lang="nl-BE" dirty="0"/>
@@ -4616,7 +4567,7 @@
           <a:p>
             <a:pPr algn="ctr"/>
             <a:r>
-              <a:rPr lang="en-US" dirty="0" err="1" smtClean="0"/>
+              <a:rPr lang="en-US" dirty="0" smtClean="0"/>
               <a:t>HandFactory</a:t>
             </a:r>
             <a:endParaRPr lang="nl-BE" dirty="0"/>
